--- a/KnockoutJS/MVVMWithKnockoutJS.pptx
+++ b/KnockoutJS/MVVMWithKnockoutJS.pptx
@@ -215,7 +215,7 @@
           <a:p>
             <a:fld id="{EEED6A9D-3D53-4D44-A63E-961D0457B7D6}" type="datetimeFigureOut">
               <a:rPr lang="en-US" smtClean="0"/>
-              <a:t>8/23/2011</a:t>
+              <a:t>8/24/2011</a:t>
             </a:fld>
             <a:endParaRPr lang="en-US"/>
           </a:p>
@@ -535,13 +535,7 @@
               <a:rPr lang="en-US" dirty="0" smtClean="0">
                 <a:hlinkClick r:id="rId3"/>
               </a:rPr>
-              <a:t>http://www.flickr.com/photos/charlesonflickr/368744129</a:t>
-            </a:r>
-            <a:r>
-              <a:rPr lang="en-US" dirty="0" smtClean="0">
-                <a:hlinkClick r:id="rId3"/>
-              </a:rPr>
-              <a:t>/</a:t>
+              <a:t>http://www.flickr.com/photos/charlesonflickr/368744129/</a:t>
             </a:r>
             <a:endParaRPr lang="en-US" dirty="0" smtClean="0"/>
           </a:p>
@@ -649,13 +643,7 @@
               <a:rPr lang="en-US" dirty="0" smtClean="0">
                 <a:hlinkClick r:id="rId3"/>
               </a:rPr>
-              <a:t>http://www.flickr.com/photos/lrargerich/3029485203</a:t>
-            </a:r>
-            <a:r>
-              <a:rPr lang="en-US" dirty="0" smtClean="0">
-                <a:hlinkClick r:id="rId3"/>
-              </a:rPr>
-              <a:t>/</a:t>
+              <a:t>http://www.flickr.com/photos/lrargerich/3029485203/</a:t>
             </a:r>
             <a:endParaRPr lang="en-US" dirty="0" smtClean="0"/>
           </a:p>
@@ -1076,11 +1064,7 @@
             </a:r>
             <a:r>
               <a:rPr lang="en-US" baseline="0" dirty="0" smtClean="0"/>
-              <a:t> for this demo</a:t>
-            </a:r>
-            <a:r>
-              <a:rPr lang="en-US" baseline="0" dirty="0" smtClean="0"/>
-              <a:t>]</a:t>
+              <a:t> for this demo]</a:t>
             </a:r>
           </a:p>
           <a:p>
@@ -1368,11 +1352,7 @@
             </a:r>
             <a:r>
               <a:rPr lang="en-US" baseline="0" dirty="0" smtClean="0"/>
-              <a:t> demo</a:t>
-            </a:r>
-            <a:r>
-              <a:rPr lang="en-US" baseline="0" dirty="0" smtClean="0"/>
-              <a:t>]</a:t>
+              <a:t> demo]</a:t>
             </a:r>
           </a:p>
           <a:p>
@@ -1798,15 +1778,7 @@
           <a:p>
             <a:r>
               <a:rPr lang="en-US" dirty="0" smtClean="0"/>
-              <a:t>Image </a:t>
-            </a:r>
-            <a:r>
-              <a:rPr lang="en-US" dirty="0" smtClean="0"/>
-              <a:t>used </a:t>
-            </a:r>
-            <a:r>
-              <a:rPr lang="en-US" dirty="0" smtClean="0"/>
-              <a:t>with permission</a:t>
+              <a:t>Image used with permission</a:t>
             </a:r>
             <a:r>
               <a:rPr lang="en-US" baseline="0" dirty="0" smtClean="0"/>
@@ -1816,13 +1788,7 @@
               <a:rPr lang="en-US" dirty="0" smtClean="0">
                 <a:hlinkClick r:id="rId3"/>
               </a:rPr>
-              <a:t>http://www.flickr.com/photos/brian-fitzgerald/3334353375</a:t>
-            </a:r>
-            <a:r>
-              <a:rPr lang="en-US" dirty="0" smtClean="0">
-                <a:hlinkClick r:id="rId3"/>
-              </a:rPr>
-              <a:t>/</a:t>
+              <a:t>http://www.flickr.com/photos/brian-fitzgerald/3334353375/</a:t>
             </a:r>
             <a:endParaRPr lang="en-US" dirty="0" smtClean="0"/>
           </a:p>
@@ -1957,11 +1923,7 @@
           <a:p>
             <a:r>
               <a:rPr lang="en-US" dirty="0" smtClean="0"/>
-              <a:t>But first</a:t>
-            </a:r>
-            <a:r>
-              <a:rPr lang="en-US" dirty="0" smtClean="0"/>
-              <a:t>, a little bit about myself.</a:t>
+              <a:t>But first, a little bit about myself.</a:t>
             </a:r>
             <a:endParaRPr lang="en-US" dirty="0"/>
           </a:p>
@@ -2211,11 +2173,7 @@
             </a:r>
             <a:r>
               <a:rPr lang="en-US" dirty="0" smtClean="0"/>
-              <a:t>he </a:t>
-            </a:r>
-            <a:r>
-              <a:rPr lang="en-US" dirty="0" smtClean="0"/>
-              <a:t>only thing left is</a:t>
+              <a:t>he only thing left is</a:t>
             </a:r>
             <a:r>
               <a:rPr lang="en-US" baseline="0" dirty="0" smtClean="0"/>
@@ -2495,11 +2453,7 @@
           <a:p>
             <a:r>
               <a:rPr lang="en-US" baseline="0" dirty="0" smtClean="0"/>
-              <a:t>Now for a newsflash</a:t>
-            </a:r>
-            <a:r>
-              <a:rPr lang="en-US" baseline="0" dirty="0" smtClean="0"/>
-              <a:t>. JavaScript is kind of a big deal…</a:t>
+              <a:t>Now for a newsflash. JavaScript is kind of a big deal…</a:t>
             </a:r>
           </a:p>
           <a:p>
@@ -2749,33 +2703,16 @@
           <a:p>
             <a:r>
               <a:rPr lang="en-US" baseline="0" dirty="0" smtClean="0"/>
-              <a:t>Many </a:t>
-            </a:r>
+              <a:t>Many strategies exist for managing JavaScript in our applications, from isolating all JavaScript into separate files, to the use of Script Loaders for conditional loading or increased performance. These practices are all worth the time and effort to adopt in our applications. </a:t>
+            </a:r>
+          </a:p>
+          <a:p>
+            <a:endParaRPr lang="en-US" baseline="0" dirty="0" smtClean="0"/>
+          </a:p>
+          <a:p>
             <a:r>
               <a:rPr lang="en-US" baseline="0" dirty="0" smtClean="0"/>
-              <a:t>strategies exist for managing JavaScript in our applications, from isolating all JavaScript into separate files, to the use of Script Loaders for conditional loading or increased performance. These practices are all worth the time and effort to adopt in our applications</a:t>
-            </a:r>
-            <a:r>
-              <a:rPr lang="en-US" baseline="0" dirty="0" smtClean="0"/>
-              <a:t>. </a:t>
-            </a:r>
-            <a:endParaRPr lang="en-US" baseline="0" dirty="0" smtClean="0"/>
-          </a:p>
-          <a:p>
-            <a:endParaRPr lang="en-US" baseline="0" dirty="0" smtClean="0"/>
-          </a:p>
-          <a:p>
-            <a:r>
-              <a:rPr lang="en-US" baseline="0" dirty="0" smtClean="0"/>
-              <a:t>But what about when your UI grows to a certain level of sophistication, and the volume of JavaScript you need to manage dynamic behavior starts to spin out of </a:t>
-            </a:r>
-            <a:r>
-              <a:rPr lang="en-US" baseline="0" dirty="0" smtClean="0"/>
-              <a:t>control? The truth is, rich client applications betray the need for better patterns and frameworks in our front-end development efforts. The great news is that there </a:t>
-            </a:r>
-            <a:r>
-              <a:rPr lang="en-US" baseline="0" dirty="0" smtClean="0"/>
-              <a:t>are libraries that exist to help you create clean and well-organized JavaScript for rich, responsive UIs.</a:t>
+              <a:t>But what about when your UI grows to a certain level of sophistication, and the volume of JavaScript you need to manage dynamic behavior starts to spin out of control? The truth is, rich client applications betray the need for better patterns and frameworks in our front-end development efforts. The great news is that there are libraries that exist to help you create clean and well-organized JavaScript for rich, responsive UIs.</a:t>
             </a:r>
             <a:endParaRPr lang="en-US" dirty="0" smtClean="0"/>
           </a:p>
@@ -3005,11 +2942,7 @@
             </a:r>
             <a:r>
               <a:rPr lang="en-US" baseline="0" dirty="0" smtClean="0"/>
-              <a:t> JavaScript library that works well with any server-side web development framework. We’ll be using ASP.NET MVC in the demo today, but Knockout works well with Rails, PHP and others</a:t>
-            </a:r>
-            <a:r>
-              <a:rPr lang="en-US" baseline="0" dirty="0" smtClean="0"/>
-              <a:t>. That can’t be overstated, so let me say it again: We’ll be talking about using KnockoutJS with ASP.NET MVC today, but as a pure JavaScript framework, there’s nothing stopping you from using it with any server-side framework, or even without a backend at all.</a:t>
+              <a:t> JavaScript library that works well with any server-side web development framework. We’ll be using ASP.NET MVC in the demo today, but Knockout works well with Rails, PHP and others. That can’t be overstated, so let me say it again: We’ll be talking about using KnockoutJS with ASP.NET MVC today, but as a pure JavaScript framework, there’s nothing stopping you from using it with any server-side framework, or even without a backend at all.</a:t>
             </a:r>
             <a:endParaRPr lang="en-US" dirty="0" smtClean="0"/>
           </a:p>
@@ -3192,27 +3125,13 @@
           <a:p>
             <a:r>
               <a:rPr lang="en-US" dirty="0" smtClean="0"/>
-              <a:t>Photo used </a:t>
-            </a:r>
-            <a:r>
-              <a:rPr lang="en-US" dirty="0" smtClean="0"/>
-              <a:t>with </a:t>
-            </a:r>
-            <a:r>
-              <a:rPr lang="en-US" dirty="0" smtClean="0"/>
-              <a:t>permission from </a:t>
+              <a:t>Photo used with permission from </a:t>
             </a:r>
             <a:r>
               <a:rPr lang="en-US" dirty="0" smtClean="0">
                 <a:hlinkClick r:id="rId3"/>
               </a:rPr>
-              <a:t>http://www.flickr.com/photos/charlesonflickr/368744129</a:t>
-            </a:r>
-            <a:r>
-              <a:rPr lang="en-US" dirty="0" smtClean="0">
-                <a:hlinkClick r:id="rId3"/>
-              </a:rPr>
-              <a:t>/</a:t>
+              <a:t>http://www.flickr.com/photos/charlesonflickr/368744129/</a:t>
             </a:r>
             <a:endParaRPr lang="en-US" dirty="0" smtClean="0"/>
           </a:p>
@@ -3449,7 +3368,7 @@
           <a:p>
             <a:fld id="{BB622C6C-AF85-4AF3-8459-FD58C2271C89}" type="datetimeFigureOut">
               <a:rPr lang="en-US" smtClean="0"/>
-              <a:t>8/23/2011</a:t>
+              <a:t>8/24/2011</a:t>
             </a:fld>
             <a:endParaRPr lang="en-US"/>
           </a:p>
@@ -3619,7 +3538,7 @@
           <a:p>
             <a:fld id="{BB622C6C-AF85-4AF3-8459-FD58C2271C89}" type="datetimeFigureOut">
               <a:rPr lang="en-US" smtClean="0"/>
-              <a:t>8/23/2011</a:t>
+              <a:t>8/24/2011</a:t>
             </a:fld>
             <a:endParaRPr lang="en-US"/>
           </a:p>
@@ -3799,7 +3718,7 @@
           <a:p>
             <a:fld id="{BB622C6C-AF85-4AF3-8459-FD58C2271C89}" type="datetimeFigureOut">
               <a:rPr lang="en-US" smtClean="0"/>
-              <a:t>8/23/2011</a:t>
+              <a:t>8/24/2011</a:t>
             </a:fld>
             <a:endParaRPr lang="en-US"/>
           </a:p>
@@ -3969,7 +3888,7 @@
           <a:p>
             <a:fld id="{BB622C6C-AF85-4AF3-8459-FD58C2271C89}" type="datetimeFigureOut">
               <a:rPr lang="en-US" smtClean="0"/>
-              <a:t>8/23/2011</a:t>
+              <a:t>8/24/2011</a:t>
             </a:fld>
             <a:endParaRPr lang="en-US"/>
           </a:p>
@@ -4215,7 +4134,7 @@
           <a:p>
             <a:fld id="{BB622C6C-AF85-4AF3-8459-FD58C2271C89}" type="datetimeFigureOut">
               <a:rPr lang="en-US" smtClean="0"/>
-              <a:t>8/23/2011</a:t>
+              <a:t>8/24/2011</a:t>
             </a:fld>
             <a:endParaRPr lang="en-US"/>
           </a:p>
@@ -4503,7 +4422,7 @@
           <a:p>
             <a:fld id="{BB622C6C-AF85-4AF3-8459-FD58C2271C89}" type="datetimeFigureOut">
               <a:rPr lang="en-US" smtClean="0"/>
-              <a:t>8/23/2011</a:t>
+              <a:t>8/24/2011</a:t>
             </a:fld>
             <a:endParaRPr lang="en-US"/>
           </a:p>
@@ -4925,7 +4844,7 @@
           <a:p>
             <a:fld id="{BB622C6C-AF85-4AF3-8459-FD58C2271C89}" type="datetimeFigureOut">
               <a:rPr lang="en-US" smtClean="0"/>
-              <a:t>8/23/2011</a:t>
+              <a:t>8/24/2011</a:t>
             </a:fld>
             <a:endParaRPr lang="en-US"/>
           </a:p>
@@ -5043,7 +4962,7 @@
           <a:p>
             <a:fld id="{BB622C6C-AF85-4AF3-8459-FD58C2271C89}" type="datetimeFigureOut">
               <a:rPr lang="en-US" smtClean="0"/>
-              <a:t>8/23/2011</a:t>
+              <a:t>8/24/2011</a:t>
             </a:fld>
             <a:endParaRPr lang="en-US"/>
           </a:p>
@@ -5138,7 +5057,7 @@
           <a:p>
             <a:fld id="{BB622C6C-AF85-4AF3-8459-FD58C2271C89}" type="datetimeFigureOut">
               <a:rPr lang="en-US" smtClean="0"/>
-              <a:t>8/23/2011</a:t>
+              <a:t>8/24/2011</a:t>
             </a:fld>
             <a:endParaRPr lang="en-US"/>
           </a:p>
@@ -5415,7 +5334,7 @@
           <a:p>
             <a:fld id="{BB622C6C-AF85-4AF3-8459-FD58C2271C89}" type="datetimeFigureOut">
               <a:rPr lang="en-US" smtClean="0"/>
-              <a:t>8/23/2011</a:t>
+              <a:t>8/24/2011</a:t>
             </a:fld>
             <a:endParaRPr lang="en-US"/>
           </a:p>
@@ -5668,7 +5587,7 @@
           <a:p>
             <a:fld id="{BB622C6C-AF85-4AF3-8459-FD58C2271C89}" type="datetimeFigureOut">
               <a:rPr lang="en-US" smtClean="0"/>
-              <a:t>8/23/2011</a:t>
+              <a:t>8/24/2011</a:t>
             </a:fld>
             <a:endParaRPr lang="en-US"/>
           </a:p>
@@ -5881,7 +5800,7 @@
           <a:p>
             <a:fld id="{BB622C6C-AF85-4AF3-8459-FD58C2271C89}" type="datetimeFigureOut">
               <a:rPr lang="en-US" smtClean="0"/>
-              <a:t>8/23/2011</a:t>
+              <a:t>8/24/2011</a:t>
             </a:fld>
             <a:endParaRPr lang="en-US"/>
           </a:p>
@@ -6943,19 +6862,7 @@
                   </a:outerShdw>
                 </a:effectLst>
               </a:rPr>
-              <a:t> viewModel = </a:t>
-            </a:r>
-            <a:r>
-              <a:rPr lang="en-US" sz="4800" b="1" dirty="0" smtClean="0">
-                <a:effectLst>
-                  <a:outerShdw blurRad="38100" dist="38100" dir="2700000" algn="tl">
-                    <a:srgbClr val="000000">
-                      <a:alpha val="43137"/>
-                    </a:srgbClr>
-                  </a:outerShdw>
-                </a:effectLst>
-              </a:rPr>
-              <a:t>{</a:t>
+              <a:t> viewModel = {</a:t>
             </a:r>
             <a:br>
               <a:rPr lang="en-US" sz="4800" b="1" dirty="0" smtClean="0">
@@ -9282,11 +9189,7 @@
             <a:pPr lvl="1"/>
             <a:r>
               <a:rPr lang="en-US" dirty="0" smtClean="0"/>
-              <a:t>userinexperience.com/?</a:t>
-            </a:r>
-            <a:r>
-              <a:rPr lang="en-US" dirty="0" smtClean="0"/>
-              <a:t>p=689</a:t>
+              <a:t>userinexperience.com/?p=689</a:t>
             </a:r>
           </a:p>
           <a:p>
